--- a/presentation-01.pptx
+++ b/presentation-01.pptx
@@ -4,9 +4,6 @@
   <p:sldMasterIdLst>
     <p:sldMasterId id="2147483686" r:id="rId1"/>
   </p:sldMasterIdLst>
-  <p:notesMasterIdLst>
-    <p:notesMasterId r:id="rId10"/>
-  </p:notesMasterIdLst>
   <p:sldIdLst>
     <p:sldId id="256" r:id="rId2"/>
     <p:sldId id="257" r:id="rId3"/>
@@ -16,6 +13,23 @@
     <p:sldId id="261" r:id="rId7"/>
     <p:sldId id="262" r:id="rId8"/>
     <p:sldId id="263" r:id="rId9"/>
+    <p:sldId id="264" r:id="rId10"/>
+    <p:sldId id="265" r:id="rId11"/>
+    <p:sldId id="266" r:id="rId12"/>
+    <p:sldId id="267" r:id="rId13"/>
+    <p:sldId id="268" r:id="rId14"/>
+    <p:sldId id="269" r:id="rId15"/>
+    <p:sldId id="270" r:id="rId16"/>
+    <p:sldId id="271" r:id="rId17"/>
+    <p:sldId id="272" r:id="rId18"/>
+    <p:sldId id="273" r:id="rId19"/>
+    <p:sldId id="274" r:id="rId20"/>
+    <p:sldId id="275" r:id="rId21"/>
+    <p:sldId id="276" r:id="rId22"/>
+    <p:sldId id="277" r:id="rId23"/>
+    <p:sldId id="278" r:id="rId24"/>
+    <p:sldId id="279" r:id="rId25"/>
+    <p:sldId id="280" r:id="rId26"/>
   </p:sldIdLst>
   <p:sldSz cx="12192000" cy="6858000"/>
   <p:notesSz cx="6858000" cy="9144000"/>
@@ -131,437 +145,6 @@
     </p:ext>
   </p:extLst>
 </p:presentation>
-</file>
-
-<file path=ppt/notesMasters/notesMaster1.xml><?xml version="1.0" encoding="utf-8"?>
-<p:notesMaster xmlns:a="http://schemas.openxmlformats.org/drawingml/2006/main" xmlns:r="http://schemas.openxmlformats.org/officeDocument/2006/relationships" xmlns:p="http://schemas.openxmlformats.org/presentationml/2006/main">
-  <p:cSld>
-    <p:bg>
-      <p:bgRef idx="1001">
-        <a:schemeClr val="bg1"/>
-      </p:bgRef>
-    </p:bg>
-    <p:spTree>
-      <p:nvGrpSpPr>
-        <p:cNvPr id="1" name=""/>
-        <p:cNvGrpSpPr/>
-        <p:nvPr/>
-      </p:nvGrpSpPr>
-      <p:grpSpPr>
-        <a:xfrm>
-          <a:off x="0" y="0"/>
-          <a:ext cx="0" cy="0"/>
-          <a:chOff x="0" y="0"/>
-          <a:chExt cx="0" cy="0"/>
-        </a:xfrm>
-      </p:grpSpPr>
-      <p:sp>
-        <p:nvSpPr>
-          <p:cNvPr id="2" name="Header Placeholder 1"/>
-          <p:cNvSpPr>
-            <a:spLocks noGrp="1"/>
-          </p:cNvSpPr>
-          <p:nvPr>
-            <p:ph type="hdr" sz="quarter"/>
-          </p:nvPr>
-        </p:nvSpPr>
-        <p:spPr>
-          <a:xfrm>
-            <a:off x="0" y="0"/>
-            <a:ext cx="2971800" cy="458788"/>
-          </a:xfrm>
-          <a:prstGeom prst="rect">
-            <a:avLst/>
-          </a:prstGeom>
-        </p:spPr>
-        <p:txBody>
-          <a:bodyPr vert="horz" lIns="91440" tIns="45720" rIns="91440" bIns="45720" rtlCol="0"/>
-          <a:lstStyle>
-            <a:lvl1pPr algn="l">
-              <a:defRPr sz="1200"/>
-            </a:lvl1pPr>
-          </a:lstStyle>
-          <a:p>
-            <a:endParaRPr lang="en-US"/>
-          </a:p>
-        </p:txBody>
-      </p:sp>
-      <p:sp>
-        <p:nvSpPr>
-          <p:cNvPr id="3" name="Date Placeholder 2"/>
-          <p:cNvSpPr>
-            <a:spLocks noGrp="1"/>
-          </p:cNvSpPr>
-          <p:nvPr>
-            <p:ph type="dt" idx="1"/>
-          </p:nvPr>
-        </p:nvSpPr>
-        <p:spPr>
-          <a:xfrm>
-            <a:off x="3884613" y="0"/>
-            <a:ext cx="2971800" cy="458788"/>
-          </a:xfrm>
-          <a:prstGeom prst="rect">
-            <a:avLst/>
-          </a:prstGeom>
-        </p:spPr>
-        <p:txBody>
-          <a:bodyPr vert="horz" lIns="91440" tIns="45720" rIns="91440" bIns="45720" rtlCol="0"/>
-          <a:lstStyle>
-            <a:lvl1pPr algn="r">
-              <a:defRPr sz="1200"/>
-            </a:lvl1pPr>
-          </a:lstStyle>
-          <a:p>
-            <a:fld id="{0F9C1CCF-B725-44A7-AA57-5E433BD85C9F}" type="datetimeFigureOut">
-              <a:rPr lang="en-US" smtClean="0"/>
-              <a:t>1/31/22</a:t>
-            </a:fld>
-            <a:endParaRPr lang="en-US"/>
-          </a:p>
-        </p:txBody>
-      </p:sp>
-      <p:sp>
-        <p:nvSpPr>
-          <p:cNvPr id="4" name="Slide Image Placeholder 3"/>
-          <p:cNvSpPr>
-            <a:spLocks noGrp="1" noRot="1" noChangeAspect="1"/>
-          </p:cNvSpPr>
-          <p:nvPr>
-            <p:ph type="sldImg" idx="2"/>
-          </p:nvPr>
-        </p:nvSpPr>
-        <p:spPr>
-          <a:xfrm>
-            <a:off x="685800" y="1143000"/>
-            <a:ext cx="5486400" cy="3086100"/>
-          </a:xfrm>
-          <a:prstGeom prst="rect">
-            <a:avLst/>
-          </a:prstGeom>
-          <a:noFill/>
-          <a:ln w="12700">
-            <a:solidFill>
-              <a:prstClr val="black"/>
-            </a:solidFill>
-          </a:ln>
-        </p:spPr>
-        <p:txBody>
-          <a:bodyPr vert="horz" lIns="91440" tIns="45720" rIns="91440" bIns="45720" rtlCol="0" anchor="ctr"/>
-          <a:lstStyle/>
-          <a:p>
-            <a:endParaRPr lang="en-US"/>
-          </a:p>
-        </p:txBody>
-      </p:sp>
-      <p:sp>
-        <p:nvSpPr>
-          <p:cNvPr id="5" name="Notes Placeholder 4"/>
-          <p:cNvSpPr>
-            <a:spLocks noGrp="1"/>
-          </p:cNvSpPr>
-          <p:nvPr>
-            <p:ph type="body" sz="quarter" idx="3"/>
-          </p:nvPr>
-        </p:nvSpPr>
-        <p:spPr>
-          <a:xfrm>
-            <a:off x="685800" y="4400550"/>
-            <a:ext cx="5486400" cy="3600450"/>
-          </a:xfrm>
-          <a:prstGeom prst="rect">
-            <a:avLst/>
-          </a:prstGeom>
-        </p:spPr>
-        <p:txBody>
-          <a:bodyPr vert="horz" lIns="91440" tIns="45720" rIns="91440" bIns="45720" rtlCol="0"/>
-          <a:lstStyle/>
-          <a:p>
-            <a:pPr lvl="0"/>
-            <a:r>
-              <a:rPr lang="en-US"/>
-              <a:t>Click to edit Master text styles</a:t>
-            </a:r>
-          </a:p>
-          <a:p>
-            <a:pPr lvl="1"/>
-            <a:r>
-              <a:rPr lang="en-US"/>
-              <a:t>Second level</a:t>
-            </a:r>
-          </a:p>
-          <a:p>
-            <a:pPr lvl="2"/>
-            <a:r>
-              <a:rPr lang="en-US"/>
-              <a:t>Third level</a:t>
-            </a:r>
-          </a:p>
-          <a:p>
-            <a:pPr lvl="3"/>
-            <a:r>
-              <a:rPr lang="en-US"/>
-              <a:t>Fourth level</a:t>
-            </a:r>
-          </a:p>
-          <a:p>
-            <a:pPr lvl="4"/>
-            <a:r>
-              <a:rPr lang="en-US"/>
-              <a:t>Fifth level</a:t>
-            </a:r>
-          </a:p>
-        </p:txBody>
-      </p:sp>
-      <p:sp>
-        <p:nvSpPr>
-          <p:cNvPr id="6" name="Footer Placeholder 5"/>
-          <p:cNvSpPr>
-            <a:spLocks noGrp="1"/>
-          </p:cNvSpPr>
-          <p:nvPr>
-            <p:ph type="ftr" sz="quarter" idx="4"/>
-          </p:nvPr>
-        </p:nvSpPr>
-        <p:spPr>
-          <a:xfrm>
-            <a:off x="0" y="8685213"/>
-            <a:ext cx="2971800" cy="458787"/>
-          </a:xfrm>
-          <a:prstGeom prst="rect">
-            <a:avLst/>
-          </a:prstGeom>
-        </p:spPr>
-        <p:txBody>
-          <a:bodyPr vert="horz" lIns="91440" tIns="45720" rIns="91440" bIns="45720" rtlCol="0" anchor="b"/>
-          <a:lstStyle>
-            <a:lvl1pPr algn="l">
-              <a:defRPr sz="1200"/>
-            </a:lvl1pPr>
-          </a:lstStyle>
-          <a:p>
-            <a:endParaRPr lang="en-US"/>
-          </a:p>
-        </p:txBody>
-      </p:sp>
-      <p:sp>
-        <p:nvSpPr>
-          <p:cNvPr id="7" name="Slide Number Placeholder 6"/>
-          <p:cNvSpPr>
-            <a:spLocks noGrp="1"/>
-          </p:cNvSpPr>
-          <p:nvPr>
-            <p:ph type="sldNum" sz="quarter" idx="5"/>
-          </p:nvPr>
-        </p:nvSpPr>
-        <p:spPr>
-          <a:xfrm>
-            <a:off x="3884613" y="8685213"/>
-            <a:ext cx="2971800" cy="458787"/>
-          </a:xfrm>
-          <a:prstGeom prst="rect">
-            <a:avLst/>
-          </a:prstGeom>
-        </p:spPr>
-        <p:txBody>
-          <a:bodyPr vert="horz" lIns="91440" tIns="45720" rIns="91440" bIns="45720" rtlCol="0" anchor="b"/>
-          <a:lstStyle>
-            <a:lvl1pPr algn="r">
-              <a:defRPr sz="1200"/>
-            </a:lvl1pPr>
-          </a:lstStyle>
-          <a:p>
-            <a:fld id="{18BDFEC3-8487-43E8-A154-7C12CBC1FFF2}" type="slidenum">
-              <a:rPr lang="en-US" smtClean="0"/>
-              <a:t>‹#›</a:t>
-            </a:fld>
-            <a:endParaRPr lang="en-US"/>
-          </a:p>
-        </p:txBody>
-      </p:sp>
-    </p:spTree>
-    <p:extLst>
-      <p:ext uri="{BB962C8B-B14F-4D97-AF65-F5344CB8AC3E}">
-        <p14:creationId xmlns:p14="http://schemas.microsoft.com/office/powerpoint/2010/main" val="3782709779"/>
-      </p:ext>
-    </p:extLst>
-  </p:cSld>
-  <p:clrMap bg1="lt1" tx1="dk1" bg2="lt2" tx2="dk2" accent1="accent1" accent2="accent2" accent3="accent3" accent4="accent4" accent5="accent5" accent6="accent6" hlink="hlink" folHlink="folHlink"/>
-  <p:notesStyle>
-    <a:lvl1pPr marL="0" algn="l" defTabSz="914400" rtl="0" eaLnBrk="1" latinLnBrk="0" hangingPunct="1">
-      <a:defRPr sz="1200" kern="1200">
-        <a:solidFill>
-          <a:schemeClr val="tx1"/>
-        </a:solidFill>
-        <a:latin typeface="+mn-lt"/>
-        <a:ea typeface="+mn-ea"/>
-        <a:cs typeface="+mn-cs"/>
-      </a:defRPr>
-    </a:lvl1pPr>
-    <a:lvl2pPr marL="457200" algn="l" defTabSz="914400" rtl="0" eaLnBrk="1" latinLnBrk="0" hangingPunct="1">
-      <a:defRPr sz="1200" kern="1200">
-        <a:solidFill>
-          <a:schemeClr val="tx1"/>
-        </a:solidFill>
-        <a:latin typeface="+mn-lt"/>
-        <a:ea typeface="+mn-ea"/>
-        <a:cs typeface="+mn-cs"/>
-      </a:defRPr>
-    </a:lvl2pPr>
-    <a:lvl3pPr marL="914400" algn="l" defTabSz="914400" rtl="0" eaLnBrk="1" latinLnBrk="0" hangingPunct="1">
-      <a:defRPr sz="1200" kern="1200">
-        <a:solidFill>
-          <a:schemeClr val="tx1"/>
-        </a:solidFill>
-        <a:latin typeface="+mn-lt"/>
-        <a:ea typeface="+mn-ea"/>
-        <a:cs typeface="+mn-cs"/>
-      </a:defRPr>
-    </a:lvl3pPr>
-    <a:lvl4pPr marL="1371600" algn="l" defTabSz="914400" rtl="0" eaLnBrk="1" latinLnBrk="0" hangingPunct="1">
-      <a:defRPr sz="1200" kern="1200">
-        <a:solidFill>
-          <a:schemeClr val="tx1"/>
-        </a:solidFill>
-        <a:latin typeface="+mn-lt"/>
-        <a:ea typeface="+mn-ea"/>
-        <a:cs typeface="+mn-cs"/>
-      </a:defRPr>
-    </a:lvl4pPr>
-    <a:lvl5pPr marL="1828800" algn="l" defTabSz="914400" rtl="0" eaLnBrk="1" latinLnBrk="0" hangingPunct="1">
-      <a:defRPr sz="1200" kern="1200">
-        <a:solidFill>
-          <a:schemeClr val="tx1"/>
-        </a:solidFill>
-        <a:latin typeface="+mn-lt"/>
-        <a:ea typeface="+mn-ea"/>
-        <a:cs typeface="+mn-cs"/>
-      </a:defRPr>
-    </a:lvl5pPr>
-    <a:lvl6pPr marL="2286000" algn="l" defTabSz="914400" rtl="0" eaLnBrk="1" latinLnBrk="0" hangingPunct="1">
-      <a:defRPr sz="1200" kern="1200">
-        <a:solidFill>
-          <a:schemeClr val="tx1"/>
-        </a:solidFill>
-        <a:latin typeface="+mn-lt"/>
-        <a:ea typeface="+mn-ea"/>
-        <a:cs typeface="+mn-cs"/>
-      </a:defRPr>
-    </a:lvl6pPr>
-    <a:lvl7pPr marL="2743200" algn="l" defTabSz="914400" rtl="0" eaLnBrk="1" latinLnBrk="0" hangingPunct="1">
-      <a:defRPr sz="1200" kern="1200">
-        <a:solidFill>
-          <a:schemeClr val="tx1"/>
-        </a:solidFill>
-        <a:latin typeface="+mn-lt"/>
-        <a:ea typeface="+mn-ea"/>
-        <a:cs typeface="+mn-cs"/>
-      </a:defRPr>
-    </a:lvl7pPr>
-    <a:lvl8pPr marL="3200400" algn="l" defTabSz="914400" rtl="0" eaLnBrk="1" latinLnBrk="0" hangingPunct="1">
-      <a:defRPr sz="1200" kern="1200">
-        <a:solidFill>
-          <a:schemeClr val="tx1"/>
-        </a:solidFill>
-        <a:latin typeface="+mn-lt"/>
-        <a:ea typeface="+mn-ea"/>
-        <a:cs typeface="+mn-cs"/>
-      </a:defRPr>
-    </a:lvl8pPr>
-    <a:lvl9pPr marL="3657600" algn="l" defTabSz="914400" rtl="0" eaLnBrk="1" latinLnBrk="0" hangingPunct="1">
-      <a:defRPr sz="1200" kern="1200">
-        <a:solidFill>
-          <a:schemeClr val="tx1"/>
-        </a:solidFill>
-        <a:latin typeface="+mn-lt"/>
-        <a:ea typeface="+mn-ea"/>
-        <a:cs typeface="+mn-cs"/>
-      </a:defRPr>
-    </a:lvl9pPr>
-  </p:notesStyle>
-</p:notesMaster>
-</file>
-
-<file path=ppt/notesSlides/notesSlide1.xml><?xml version="1.0" encoding="utf-8"?>
-<p:notes xmlns:a="http://schemas.openxmlformats.org/drawingml/2006/main" xmlns:r="http://schemas.openxmlformats.org/officeDocument/2006/relationships" xmlns:p="http://schemas.openxmlformats.org/presentationml/2006/main">
-  <p:cSld>
-    <p:spTree>
-      <p:nvGrpSpPr>
-        <p:cNvPr id="1" name=""/>
-        <p:cNvGrpSpPr/>
-        <p:nvPr/>
-      </p:nvGrpSpPr>
-      <p:grpSpPr>
-        <a:xfrm>
-          <a:off x="0" y="0"/>
-          <a:ext cx="0" cy="0"/>
-          <a:chOff x="0" y="0"/>
-          <a:chExt cx="0" cy="0"/>
-        </a:xfrm>
-      </p:grpSpPr>
-      <p:sp>
-        <p:nvSpPr>
-          <p:cNvPr id="2" name="Slide Image Placeholder 1"/>
-          <p:cNvSpPr>
-            <a:spLocks noGrp="1" noRot="1" noChangeAspect="1"/>
-          </p:cNvSpPr>
-          <p:nvPr>
-            <p:ph type="sldImg"/>
-          </p:nvPr>
-        </p:nvSpPr>
-        <p:spPr/>
-      </p:sp>
-      <p:sp>
-        <p:nvSpPr>
-          <p:cNvPr id="3" name="Notes Placeholder 2"/>
-          <p:cNvSpPr>
-            <a:spLocks noGrp="1"/>
-          </p:cNvSpPr>
-          <p:nvPr>
-            <p:ph type="body" idx="1"/>
-          </p:nvPr>
-        </p:nvSpPr>
-        <p:spPr/>
-        <p:txBody>
-          <a:bodyPr/>
-          <a:lstStyle/>
-          <a:p>
-            <a:pPr lvl="0" indent="0" marL="0">
-              <a:buNone/>
-            </a:pPr>
-            <a:r>
-              <a:rPr/>
-              <a:t>Like this.</a:t>
-            </a:r>
-          </a:p>
-        </p:txBody>
-      </p:sp>
-      <p:sp>
-        <p:nvSpPr>
-          <p:cNvPr id="4" name="Slide Number Placeholder 3"/>
-          <p:cNvSpPr>
-            <a:spLocks noGrp="1"/>
-          </p:cNvSpPr>
-          <p:nvPr>
-            <p:ph type="sldNum" sz="quarter" idx="10"/>
-          </p:nvPr>
-        </p:nvSpPr>
-        <p:spPr/>
-        <p:txBody>
-          <a:bodyPr/>
-          <a:lstStyle/>
-          <a:p>
-            <a:fld id="{18BDFEC3-8487-43E8-A154-7C12CBC1FFF2}" type="slidenum">
-              <a:rPr lang="en-US"/>
-              <a:t>7</a:t>
-            </a:fld>
-            <a:endParaRPr lang="en-US"/>
-          </a:p>
-        </p:txBody>
-      </p:sp>
-    </p:spTree>
-  </p:cSld>
-</p:notes>
 </file>
 
 <file path=ppt/slideLayouts/slideLayout1.xml><?xml version="1.0" encoding="utf-8"?>
@@ -4353,7 +3936,7 @@
             </a:pPr>
             <a:r>
               <a:rPr/>
-              <a:t>Some Cool Sounding Buzzwords</a:t>
+              <a:t>The Disposable Academic: Rethinking the Value of a PhD</a:t>
             </a:r>
           </a:p>
         </p:txBody>
@@ -4387,15 +3970,11 @@
             <a:pPr lvl="0" indent="0" marL="0">
               <a:buNone/>
             </a:pPr>
-            <a:r>
-              <a:rPr/>
-              <a:t>Less Buzzy and Somewhat More Explanaotry Subtitle</a:t>
-            </a:r>
             <a:br/>
             <a:br/>
             <a:r>
               <a:rPr/>
-              <a:t>Damien Théroux</a:t>
+              <a:t>Behzad Samadi</a:t>
             </a:r>
           </a:p>
         </p:txBody>
@@ -4427,6 +4006,911 @@
             <a:r>
               <a:rPr/>
               <a:t>September 4, 2024</a:t>
+            </a:r>
+          </a:p>
+        </p:txBody>
+      </p:sp>
+    </p:spTree>
+  </p:cSld>
+</p:sld>
+</file>
+
+<file path=ppt/slides/slide10.xml><?xml version="1.0" encoding="utf-8"?>
+<p:sld xmlns:a="http://schemas.openxmlformats.org/drawingml/2006/main" xmlns:r="http://schemas.openxmlformats.org/officeDocument/2006/relationships" xmlns:p="http://schemas.openxmlformats.org/presentationml/2006/main">
+  <p:cSld>
+    <p:spTree>
+      <p:nvGrpSpPr>
+        <p:cNvPr id="1" name=""/>
+        <p:cNvGrpSpPr/>
+        <p:nvPr/>
+      </p:nvGrpSpPr>
+      <p:grpSpPr>
+        <a:xfrm>
+          <a:off x="0" y="0"/>
+          <a:ext cx="0" cy="0"/>
+          <a:chOff x="0" y="0"/>
+          <a:chExt cx="0" cy="0"/>
+        </a:xfrm>
+      </p:grpSpPr>
+      <p:sp>
+        <p:nvSpPr>
+          <p:cNvPr id="2" name="Title 1">
+            <a:extLst>
+              <a:ext uri="{FF2B5EF4-FFF2-40B4-BE49-F238E27FC236}">
+                <a16:creationId xmlns:a16="http://schemas.microsoft.com/office/drawing/2014/main" id="{FF6A6CB2-D1B6-B94A-84C1-83C65423C650}"/>
+              </a:ext>
+            </a:extLst>
+          </p:cNvPr>
+          <p:cNvSpPr>
+            <a:spLocks noGrp="1"/>
+          </p:cNvSpPr>
+          <p:nvPr>
+            <p:ph type="title"/>
+          </p:nvPr>
+        </p:nvSpPr>
+        <p:spPr>
+          <a:xfrm>
+            <a:off x="831851" y="1709742"/>
+            <a:ext cx="10515600" cy="2852737"/>
+          </a:xfrm>
+          <a:prstGeom prst="rect">
+            <a:avLst/>
+          </a:prstGeom>
+        </p:spPr>
+        <p:txBody>
+          <a:bodyPr/>
+          <a:lstStyle/>
+          <a:p>
+            <a:pPr lvl="0" indent="0" marL="0">
+              <a:buNone/>
+            </a:pPr>
+            <a:r>
+              <a:rPr/>
+              <a:t>The Psychological Toll</a:t>
+            </a:r>
+          </a:p>
+        </p:txBody>
+      </p:sp>
+    </p:spTree>
+  </p:cSld>
+</p:sld>
+</file>
+
+<file path=ppt/slides/slide11.xml><?xml version="1.0" encoding="utf-8"?>
+<p:sld xmlns:a="http://schemas.openxmlformats.org/drawingml/2006/main" xmlns:r="http://schemas.openxmlformats.org/officeDocument/2006/relationships" xmlns:p="http://schemas.openxmlformats.org/presentationml/2006/main">
+  <p:cSld>
+    <p:spTree>
+      <p:nvGrpSpPr>
+        <p:cNvPr id="1" name=""/>
+        <p:cNvGrpSpPr/>
+        <p:nvPr/>
+      </p:nvGrpSpPr>
+      <p:grpSpPr>
+        <a:xfrm>
+          <a:off x="0" y="0"/>
+          <a:ext cx="0" cy="0"/>
+          <a:chOff x="0" y="0"/>
+          <a:chExt cx="0" cy="0"/>
+        </a:xfrm>
+      </p:grpSpPr>
+      <p:sp>
+        <p:nvSpPr>
+          <p:cNvPr id="2" name="Title 1">
+            <a:extLst>
+              <a:ext uri="{FF2B5EF4-FFF2-40B4-BE49-F238E27FC236}">
+                <a16:creationId xmlns:a16="http://schemas.microsoft.com/office/drawing/2014/main" id="{DD9B8E45-0772-954C-8D4B-6E6808DFEDED}"/>
+              </a:ext>
+            </a:extLst>
+          </p:cNvPr>
+          <p:cNvSpPr>
+            <a:spLocks noGrp="1"/>
+          </p:cNvSpPr>
+          <p:nvPr>
+            <p:ph type="title"/>
+          </p:nvPr>
+        </p:nvSpPr>
+        <p:spPr>
+          <a:xfrm>
+            <a:off x="838200" y="365129"/>
+            <a:ext cx="10515600" cy="1325563"/>
+          </a:xfrm>
+          <a:prstGeom prst="rect">
+            <a:avLst/>
+          </a:prstGeom>
+        </p:spPr>
+        <p:txBody>
+          <a:bodyPr/>
+          <a:lstStyle/>
+          <a:p>
+            <a:pPr lvl="0" indent="0" marL="0">
+              <a:buNone/>
+            </a:pPr>
+            <a:r>
+              <a:rPr/>
+              <a:t>Mental Health Issues</a:t>
+            </a:r>
+          </a:p>
+        </p:txBody>
+      </p:sp>
+      <p:sp>
+        <p:nvSpPr>
+          <p:cNvPr id="3" name="Content Placeholder 2">
+            <a:extLst>
+              <a:ext uri="{FF2B5EF4-FFF2-40B4-BE49-F238E27FC236}">
+                <a16:creationId xmlns:a16="http://schemas.microsoft.com/office/drawing/2014/main" id="{A4EB24F9-04F1-C843-9D71-56C5C024552B}"/>
+              </a:ext>
+            </a:extLst>
+          </p:cNvPr>
+          <p:cNvSpPr>
+            <a:spLocks noGrp="1"/>
+          </p:cNvSpPr>
+          <p:nvPr>
+            <p:ph idx="1"/>
+          </p:nvPr>
+        </p:nvSpPr>
+        <p:spPr/>
+        <p:txBody>
+          <a:bodyPr/>
+          <a:lstStyle/>
+          <a:p>
+            <a:pPr lvl="0"/>
+            <a:r>
+              <a:rPr/>
+              <a:t>High rates of depression and anxiety among PhD students.</a:t>
+            </a:r>
+          </a:p>
+          <a:p>
+            <a:pPr lvl="0"/>
+            <a:r>
+              <a:rPr/>
+              <a:t>The pressure of producing original research.</a:t>
+            </a:r>
+          </a:p>
+          <a:p>
+            <a:pPr lvl="0"/>
+            <a:r>
+              <a:rPr/>
+              <a:t>The impact of isolation and competition.</a:t>
+            </a:r>
+          </a:p>
+        </p:txBody>
+      </p:sp>
+    </p:spTree>
+  </p:cSld>
+</p:sld>
+</file>
+
+<file path=ppt/slides/slide12.xml><?xml version="1.0" encoding="utf-8"?>
+<p:sld xmlns:a="http://schemas.openxmlformats.org/drawingml/2006/main" xmlns:r="http://schemas.openxmlformats.org/officeDocument/2006/relationships" xmlns:p="http://schemas.openxmlformats.org/presentationml/2006/main">
+  <p:cSld>
+    <p:spTree>
+      <p:nvGrpSpPr>
+        <p:cNvPr id="1" name=""/>
+        <p:cNvGrpSpPr/>
+        <p:nvPr/>
+      </p:nvGrpSpPr>
+      <p:grpSpPr>
+        <a:xfrm>
+          <a:off x="0" y="0"/>
+          <a:ext cx="0" cy="0"/>
+          <a:chOff x="0" y="0"/>
+          <a:chExt cx="0" cy="0"/>
+        </a:xfrm>
+      </p:grpSpPr>
+      <p:sp>
+        <p:nvSpPr>
+          <p:cNvPr id="2" name="Title 1">
+            <a:extLst>
+              <a:ext uri="{FF2B5EF4-FFF2-40B4-BE49-F238E27FC236}">
+                <a16:creationId xmlns:a16="http://schemas.microsoft.com/office/drawing/2014/main" id="{DD9B8E45-0772-954C-8D4B-6E6808DFEDED}"/>
+              </a:ext>
+            </a:extLst>
+          </p:cNvPr>
+          <p:cNvSpPr>
+            <a:spLocks noGrp="1"/>
+          </p:cNvSpPr>
+          <p:nvPr>
+            <p:ph type="title"/>
+          </p:nvPr>
+        </p:nvSpPr>
+        <p:spPr>
+          <a:xfrm>
+            <a:off x="838200" y="365129"/>
+            <a:ext cx="10515600" cy="1325563"/>
+          </a:xfrm>
+          <a:prstGeom prst="rect">
+            <a:avLst/>
+          </a:prstGeom>
+        </p:spPr>
+        <p:txBody>
+          <a:bodyPr/>
+          <a:lstStyle/>
+          <a:p>
+            <a:pPr lvl="0" indent="0" marL="0">
+              <a:buNone/>
+            </a:pPr>
+            <a:r>
+              <a:rPr/>
+              <a:t>Personal Sacrifices</a:t>
+            </a:r>
+          </a:p>
+        </p:txBody>
+      </p:sp>
+      <p:sp>
+        <p:nvSpPr>
+          <p:cNvPr id="3" name="Content Placeholder 2">
+            <a:extLst>
+              <a:ext uri="{FF2B5EF4-FFF2-40B4-BE49-F238E27FC236}">
+                <a16:creationId xmlns:a16="http://schemas.microsoft.com/office/drawing/2014/main" id="{A4EB24F9-04F1-C843-9D71-56C5C024552B}"/>
+              </a:ext>
+            </a:extLst>
+          </p:cNvPr>
+          <p:cNvSpPr>
+            <a:spLocks noGrp="1"/>
+          </p:cNvSpPr>
+          <p:nvPr>
+            <p:ph idx="1"/>
+          </p:nvPr>
+        </p:nvSpPr>
+        <p:spPr/>
+        <p:txBody>
+          <a:bodyPr/>
+          <a:lstStyle/>
+          <a:p>
+            <a:pPr lvl="0"/>
+            <a:r>
+              <a:rPr/>
+              <a:t>The toll on personal relationships and work-life balance.</a:t>
+            </a:r>
+          </a:p>
+          <a:p>
+            <a:pPr lvl="0"/>
+            <a:r>
+              <a:rPr/>
+              <a:t>Financial stress and the burden of student loans.</a:t>
+            </a:r>
+          </a:p>
+          <a:p>
+            <a:pPr lvl="0"/>
+            <a:r>
+              <a:rPr b="1"/>
+              <a:t>Statistic</a:t>
+            </a:r>
+            <a:r>
+              <a:rPr/>
+              <a:t>: PhD students in the UK can spend up to 7 years on their doctorate, with average annual stipends as low as £13,000, far below the national average wage (The Economist, 2010).</a:t>
+            </a:r>
+          </a:p>
+        </p:txBody>
+      </p:sp>
+    </p:spTree>
+  </p:cSld>
+</p:sld>
+</file>
+
+<file path=ppt/slides/slide13.xml><?xml version="1.0" encoding="utf-8"?>
+<p:sld xmlns:a="http://schemas.openxmlformats.org/drawingml/2006/main" xmlns:r="http://schemas.openxmlformats.org/officeDocument/2006/relationships" xmlns:p="http://schemas.openxmlformats.org/presentationml/2006/main">
+  <p:cSld>
+    <p:spTree>
+      <p:nvGrpSpPr>
+        <p:cNvPr id="1" name=""/>
+        <p:cNvGrpSpPr/>
+        <p:nvPr/>
+      </p:nvGrpSpPr>
+      <p:grpSpPr>
+        <a:xfrm>
+          <a:off x="0" y="0"/>
+          <a:ext cx="0" cy="0"/>
+          <a:chOff x="0" y="0"/>
+          <a:chExt cx="0" cy="0"/>
+        </a:xfrm>
+      </p:grpSpPr>
+      <p:sp>
+        <p:nvSpPr>
+          <p:cNvPr id="2" name="Title 1">
+            <a:extLst>
+              <a:ext uri="{FF2B5EF4-FFF2-40B4-BE49-F238E27FC236}">
+                <a16:creationId xmlns:a16="http://schemas.microsoft.com/office/drawing/2014/main" id="{FF6A6CB2-D1B6-B94A-84C1-83C65423C650}"/>
+              </a:ext>
+            </a:extLst>
+          </p:cNvPr>
+          <p:cNvSpPr>
+            <a:spLocks noGrp="1"/>
+          </p:cNvSpPr>
+          <p:nvPr>
+            <p:ph type="title"/>
+          </p:nvPr>
+        </p:nvSpPr>
+        <p:spPr>
+          <a:xfrm>
+            <a:off x="831851" y="1709742"/>
+            <a:ext cx="10515600" cy="2852737"/>
+          </a:xfrm>
+          <a:prstGeom prst="rect">
+            <a:avLst/>
+          </a:prstGeom>
+        </p:spPr>
+        <p:txBody>
+          <a:bodyPr/>
+          <a:lstStyle/>
+          <a:p>
+            <a:pPr lvl="0" indent="0" marL="0">
+              <a:buNone/>
+            </a:pPr>
+            <a:r>
+              <a:rPr/>
+              <a:t>Is a PhD Worth It?</a:t>
+            </a:r>
+          </a:p>
+        </p:txBody>
+      </p:sp>
+    </p:spTree>
+  </p:cSld>
+</p:sld>
+</file>
+
+<file path=ppt/slides/slide14.xml><?xml version="1.0" encoding="utf-8"?>
+<p:sld xmlns:a="http://schemas.openxmlformats.org/drawingml/2006/main" xmlns:r="http://schemas.openxmlformats.org/officeDocument/2006/relationships" xmlns:p="http://schemas.openxmlformats.org/presentationml/2006/main">
+  <p:cSld>
+    <p:spTree>
+      <p:nvGrpSpPr>
+        <p:cNvPr id="1" name=""/>
+        <p:cNvGrpSpPr/>
+        <p:nvPr/>
+      </p:nvGrpSpPr>
+      <p:grpSpPr>
+        <a:xfrm>
+          <a:off x="0" y="0"/>
+          <a:ext cx="0" cy="0"/>
+          <a:chOff x="0" y="0"/>
+          <a:chExt cx="0" cy="0"/>
+        </a:xfrm>
+      </p:grpSpPr>
+      <p:sp>
+        <p:nvSpPr>
+          <p:cNvPr id="2" name="Title 1">
+            <a:extLst>
+              <a:ext uri="{FF2B5EF4-FFF2-40B4-BE49-F238E27FC236}">
+                <a16:creationId xmlns:a16="http://schemas.microsoft.com/office/drawing/2014/main" id="{DD9B8E45-0772-954C-8D4B-6E6808DFEDED}"/>
+              </a:ext>
+            </a:extLst>
+          </p:cNvPr>
+          <p:cNvSpPr>
+            <a:spLocks noGrp="1"/>
+          </p:cNvSpPr>
+          <p:nvPr>
+            <p:ph type="title"/>
+          </p:nvPr>
+        </p:nvSpPr>
+        <p:spPr>
+          <a:xfrm>
+            <a:off x="838200" y="365129"/>
+            <a:ext cx="10515600" cy="1325563"/>
+          </a:xfrm>
+          <a:prstGeom prst="rect">
+            <a:avLst/>
+          </a:prstGeom>
+        </p:spPr>
+        <p:txBody>
+          <a:bodyPr/>
+          <a:lstStyle/>
+          <a:p>
+            <a:pPr lvl="0" indent="0" marL="0">
+              <a:buNone/>
+            </a:pPr>
+            <a:r>
+              <a:rPr/>
+              <a:t>Pros</a:t>
+            </a:r>
+          </a:p>
+        </p:txBody>
+      </p:sp>
+      <p:sp>
+        <p:nvSpPr>
+          <p:cNvPr id="3" name="Content Placeholder 2">
+            <a:extLst>
+              <a:ext uri="{FF2B5EF4-FFF2-40B4-BE49-F238E27FC236}">
+                <a16:creationId xmlns:a16="http://schemas.microsoft.com/office/drawing/2014/main" id="{A4EB24F9-04F1-C843-9D71-56C5C024552B}"/>
+              </a:ext>
+            </a:extLst>
+          </p:cNvPr>
+          <p:cNvSpPr>
+            <a:spLocks noGrp="1"/>
+          </p:cNvSpPr>
+          <p:nvPr>
+            <p:ph idx="1"/>
+          </p:nvPr>
+        </p:nvSpPr>
+        <p:spPr/>
+        <p:txBody>
+          <a:bodyPr/>
+          <a:lstStyle/>
+          <a:p>
+            <a:pPr lvl="0"/>
+            <a:r>
+              <a:rPr/>
+              <a:t>Intellectual fulfillment.</a:t>
+            </a:r>
+          </a:p>
+          <a:p>
+            <a:pPr lvl="0"/>
+            <a:r>
+              <a:rPr/>
+              <a:t>Contribution to knowledge.</a:t>
+            </a:r>
+          </a:p>
+          <a:p>
+            <a:pPr lvl="0"/>
+            <a:r>
+              <a:rPr/>
+              <a:t>Opportunities for academic careers.</a:t>
+            </a:r>
+          </a:p>
+        </p:txBody>
+      </p:sp>
+    </p:spTree>
+  </p:cSld>
+</p:sld>
+</file>
+
+<file path=ppt/slides/slide15.xml><?xml version="1.0" encoding="utf-8"?>
+<p:sld xmlns:a="http://schemas.openxmlformats.org/drawingml/2006/main" xmlns:r="http://schemas.openxmlformats.org/officeDocument/2006/relationships" xmlns:p="http://schemas.openxmlformats.org/presentationml/2006/main">
+  <p:cSld>
+    <p:spTree>
+      <p:nvGrpSpPr>
+        <p:cNvPr id="1" name=""/>
+        <p:cNvGrpSpPr/>
+        <p:nvPr/>
+      </p:nvGrpSpPr>
+      <p:grpSpPr>
+        <a:xfrm>
+          <a:off x="0" y="0"/>
+          <a:ext cx="0" cy="0"/>
+          <a:chOff x="0" y="0"/>
+          <a:chExt cx="0" cy="0"/>
+        </a:xfrm>
+      </p:grpSpPr>
+      <p:sp>
+        <p:nvSpPr>
+          <p:cNvPr id="2" name="Title 1">
+            <a:extLst>
+              <a:ext uri="{FF2B5EF4-FFF2-40B4-BE49-F238E27FC236}">
+                <a16:creationId xmlns:a16="http://schemas.microsoft.com/office/drawing/2014/main" id="{DD9B8E45-0772-954C-8D4B-6E6808DFEDED}"/>
+              </a:ext>
+            </a:extLst>
+          </p:cNvPr>
+          <p:cNvSpPr>
+            <a:spLocks noGrp="1"/>
+          </p:cNvSpPr>
+          <p:nvPr>
+            <p:ph type="title"/>
+          </p:nvPr>
+        </p:nvSpPr>
+        <p:spPr>
+          <a:xfrm>
+            <a:off x="838200" y="365129"/>
+            <a:ext cx="10515600" cy="1325563"/>
+          </a:xfrm>
+          <a:prstGeom prst="rect">
+            <a:avLst/>
+          </a:prstGeom>
+        </p:spPr>
+        <p:txBody>
+          <a:bodyPr/>
+          <a:lstStyle/>
+          <a:p>
+            <a:pPr lvl="0" indent="0" marL="0">
+              <a:buNone/>
+            </a:pPr>
+            <a:r>
+              <a:rPr/>
+              <a:t>Cons</a:t>
+            </a:r>
+          </a:p>
+        </p:txBody>
+      </p:sp>
+      <p:sp>
+        <p:nvSpPr>
+          <p:cNvPr id="3" name="Content Placeholder 2">
+            <a:extLst>
+              <a:ext uri="{FF2B5EF4-FFF2-40B4-BE49-F238E27FC236}">
+                <a16:creationId xmlns:a16="http://schemas.microsoft.com/office/drawing/2014/main" id="{A4EB24F9-04F1-C843-9D71-56C5C024552B}"/>
+              </a:ext>
+            </a:extLst>
+          </p:cNvPr>
+          <p:cNvSpPr>
+            <a:spLocks noGrp="1"/>
+          </p:cNvSpPr>
+          <p:nvPr>
+            <p:ph idx="1"/>
+          </p:nvPr>
+        </p:nvSpPr>
+        <p:spPr/>
+        <p:txBody>
+          <a:bodyPr/>
+          <a:lstStyle/>
+          <a:p>
+            <a:pPr lvl="0"/>
+            <a:r>
+              <a:rPr/>
+              <a:t>Limited career prospects.</a:t>
+            </a:r>
+          </a:p>
+          <a:p>
+            <a:pPr lvl="0"/>
+            <a:r>
+              <a:rPr/>
+              <a:t>High personal and financial costs.</a:t>
+            </a:r>
+          </a:p>
+          <a:p>
+            <a:pPr lvl="0"/>
+            <a:r>
+              <a:rPr/>
+              <a:t>Questionable return on investment.</a:t>
+            </a:r>
+          </a:p>
+          <a:p>
+            <a:pPr lvl="0"/>
+            <a:r>
+              <a:rPr b="1"/>
+              <a:t>Statistic</a:t>
+            </a:r>
+            <a:r>
+              <a:rPr/>
+              <a:t>: In the US, median earnings for PhD holders in non-academic roles are often lower than those with professional degrees such as MBAs or JDs (The Economist, 2010).</a:t>
+            </a:r>
+          </a:p>
+        </p:txBody>
+      </p:sp>
+    </p:spTree>
+  </p:cSld>
+</p:sld>
+</file>
+
+<file path=ppt/slides/slide16.xml><?xml version="1.0" encoding="utf-8"?>
+<p:sld xmlns:a="http://schemas.openxmlformats.org/drawingml/2006/main" xmlns:r="http://schemas.openxmlformats.org/officeDocument/2006/relationships" xmlns:p="http://schemas.openxmlformats.org/presentationml/2006/main">
+  <p:cSld>
+    <p:spTree>
+      <p:nvGrpSpPr>
+        <p:cNvPr id="1" name=""/>
+        <p:cNvGrpSpPr/>
+        <p:nvPr/>
+      </p:nvGrpSpPr>
+      <p:grpSpPr>
+        <a:xfrm>
+          <a:off x="0" y="0"/>
+          <a:ext cx="0" cy="0"/>
+          <a:chOff x="0" y="0"/>
+          <a:chExt cx="0" cy="0"/>
+        </a:xfrm>
+      </p:grpSpPr>
+      <p:sp>
+        <p:nvSpPr>
+          <p:cNvPr id="2" name="Title 1">
+            <a:extLst>
+              <a:ext uri="{FF2B5EF4-FFF2-40B4-BE49-F238E27FC236}">
+                <a16:creationId xmlns:a16="http://schemas.microsoft.com/office/drawing/2014/main" id="{DD9B8E45-0772-954C-8D4B-6E6808DFEDED}"/>
+              </a:ext>
+            </a:extLst>
+          </p:cNvPr>
+          <p:cNvSpPr>
+            <a:spLocks noGrp="1"/>
+          </p:cNvSpPr>
+          <p:nvPr>
+            <p:ph type="title"/>
+          </p:nvPr>
+        </p:nvSpPr>
+        <p:spPr>
+          <a:xfrm>
+            <a:off x="838200" y="365129"/>
+            <a:ext cx="10515600" cy="1325563"/>
+          </a:xfrm>
+          <a:prstGeom prst="rect">
+            <a:avLst/>
+          </a:prstGeom>
+        </p:spPr>
+        <p:txBody>
+          <a:bodyPr/>
+          <a:lstStyle/>
+          <a:p>
+            <a:pPr lvl="0" indent="0" marL="0">
+              <a:buNone/>
+            </a:pPr>
+            <a:r>
+              <a:rPr/>
+              <a:t>Conclusion</a:t>
+            </a:r>
+          </a:p>
+        </p:txBody>
+      </p:sp>
+      <p:sp>
+        <p:nvSpPr>
+          <p:cNvPr id="3" name="Content Placeholder 2">
+            <a:extLst>
+              <a:ext uri="{FF2B5EF4-FFF2-40B4-BE49-F238E27FC236}">
+                <a16:creationId xmlns:a16="http://schemas.microsoft.com/office/drawing/2014/main" id="{A4EB24F9-04F1-C843-9D71-56C5C024552B}"/>
+              </a:ext>
+            </a:extLst>
+          </p:cNvPr>
+          <p:cNvSpPr>
+            <a:spLocks noGrp="1"/>
+          </p:cNvSpPr>
+          <p:nvPr>
+            <p:ph idx="1"/>
+          </p:nvPr>
+        </p:nvSpPr>
+        <p:spPr/>
+        <p:txBody>
+          <a:bodyPr/>
+          <a:lstStyle/>
+          <a:p>
+            <a:pPr lvl="0"/>
+            <a:r>
+              <a:rPr/>
+              <a:t>Critical examination of whether the benefits of a PhD outweigh the drawbacks.</a:t>
+            </a:r>
+          </a:p>
+          <a:p>
+            <a:pPr lvl="0"/>
+            <a:r>
+              <a:rPr/>
+              <a:t>Consideration of alternative pathways to success.</a:t>
+            </a:r>
+          </a:p>
+        </p:txBody>
+      </p:sp>
+    </p:spTree>
+  </p:cSld>
+</p:sld>
+</file>
+
+<file path=ppt/slides/slide17.xml><?xml version="1.0" encoding="utf-8"?>
+<p:sld xmlns:a="http://schemas.openxmlformats.org/drawingml/2006/main" xmlns:r="http://schemas.openxmlformats.org/officeDocument/2006/relationships" xmlns:p="http://schemas.openxmlformats.org/presentationml/2006/main">
+  <p:cSld>
+    <p:spTree>
+      <p:nvGrpSpPr>
+        <p:cNvPr id="1" name=""/>
+        <p:cNvGrpSpPr/>
+        <p:nvPr/>
+      </p:nvGrpSpPr>
+      <p:grpSpPr>
+        <a:xfrm>
+          <a:off x="0" y="0"/>
+          <a:ext cx="0" cy="0"/>
+          <a:chOff x="0" y="0"/>
+          <a:chExt cx="0" cy="0"/>
+        </a:xfrm>
+      </p:grpSpPr>
+      <p:sp>
+        <p:nvSpPr>
+          <p:cNvPr id="2" name="Title 1">
+            <a:extLst>
+              <a:ext uri="{FF2B5EF4-FFF2-40B4-BE49-F238E27FC236}">
+                <a16:creationId xmlns:a16="http://schemas.microsoft.com/office/drawing/2014/main" id="{FF6A6CB2-D1B6-B94A-84C1-83C65423C650}"/>
+              </a:ext>
+            </a:extLst>
+          </p:cNvPr>
+          <p:cNvSpPr>
+            <a:spLocks noGrp="1"/>
+          </p:cNvSpPr>
+          <p:nvPr>
+            <p:ph type="title"/>
+          </p:nvPr>
+        </p:nvSpPr>
+        <p:spPr>
+          <a:xfrm>
+            <a:off x="831851" y="1709742"/>
+            <a:ext cx="10515600" cy="2852737"/>
+          </a:xfrm>
+          <a:prstGeom prst="rect">
+            <a:avLst/>
+          </a:prstGeom>
+        </p:spPr>
+        <p:txBody>
+          <a:bodyPr/>
+          <a:lstStyle/>
+          <a:p>
+            <a:pPr lvl="0" indent="0" marL="0">
+              <a:buNone/>
+            </a:pPr>
+            <a:r>
+              <a:rPr/>
+              <a:t>Alternatives to a PhD</a:t>
+            </a:r>
+          </a:p>
+        </p:txBody>
+      </p:sp>
+    </p:spTree>
+  </p:cSld>
+</p:sld>
+</file>
+
+<file path=ppt/slides/slide18.xml><?xml version="1.0" encoding="utf-8"?>
+<p:sld xmlns:a="http://schemas.openxmlformats.org/drawingml/2006/main" xmlns:r="http://schemas.openxmlformats.org/officeDocument/2006/relationships" xmlns:p="http://schemas.openxmlformats.org/presentationml/2006/main">
+  <p:cSld>
+    <p:spTree>
+      <p:nvGrpSpPr>
+        <p:cNvPr id="1" name=""/>
+        <p:cNvGrpSpPr/>
+        <p:nvPr/>
+      </p:nvGrpSpPr>
+      <p:grpSpPr>
+        <a:xfrm>
+          <a:off x="0" y="0"/>
+          <a:ext cx="0" cy="0"/>
+          <a:chOff x="0" y="0"/>
+          <a:chExt cx="0" cy="0"/>
+        </a:xfrm>
+      </p:grpSpPr>
+      <p:sp>
+        <p:nvSpPr>
+          <p:cNvPr id="2" name="Title 1">
+            <a:extLst>
+              <a:ext uri="{FF2B5EF4-FFF2-40B4-BE49-F238E27FC236}">
+                <a16:creationId xmlns:a16="http://schemas.microsoft.com/office/drawing/2014/main" id="{DD9B8E45-0772-954C-8D4B-6E6808DFEDED}"/>
+              </a:ext>
+            </a:extLst>
+          </p:cNvPr>
+          <p:cNvSpPr>
+            <a:spLocks noGrp="1"/>
+          </p:cNvSpPr>
+          <p:nvPr>
+            <p:ph type="title"/>
+          </p:nvPr>
+        </p:nvSpPr>
+        <p:spPr>
+          <a:xfrm>
+            <a:off x="838200" y="365129"/>
+            <a:ext cx="10515600" cy="1325563"/>
+          </a:xfrm>
+          <a:prstGeom prst="rect">
+            <a:avLst/>
+          </a:prstGeom>
+        </p:spPr>
+        <p:txBody>
+          <a:bodyPr/>
+          <a:lstStyle/>
+          <a:p>
+            <a:pPr lvl="0" indent="0" marL="0">
+              <a:buNone/>
+            </a:pPr>
+            <a:r>
+              <a:rPr/>
+              <a:t>Master’s Degrees</a:t>
+            </a:r>
+          </a:p>
+        </p:txBody>
+      </p:sp>
+      <p:sp>
+        <p:nvSpPr>
+          <p:cNvPr id="3" name="Content Placeholder 2">
+            <a:extLst>
+              <a:ext uri="{FF2B5EF4-FFF2-40B4-BE49-F238E27FC236}">
+                <a16:creationId xmlns:a16="http://schemas.microsoft.com/office/drawing/2014/main" id="{A4EB24F9-04F1-C843-9D71-56C5C024552B}"/>
+              </a:ext>
+            </a:extLst>
+          </p:cNvPr>
+          <p:cNvSpPr>
+            <a:spLocks noGrp="1"/>
+          </p:cNvSpPr>
+          <p:nvPr>
+            <p:ph idx="1"/>
+          </p:nvPr>
+        </p:nvSpPr>
+        <p:spPr/>
+        <p:txBody>
+          <a:bodyPr/>
+          <a:lstStyle/>
+          <a:p>
+            <a:pPr lvl="0"/>
+            <a:r>
+              <a:rPr/>
+              <a:t>More focused and shorter in duration.</a:t>
+            </a:r>
+          </a:p>
+          <a:p>
+            <a:pPr lvl="0"/>
+            <a:r>
+              <a:rPr/>
+              <a:t>Often sufficient for career advancement.</a:t>
+            </a:r>
+          </a:p>
+        </p:txBody>
+      </p:sp>
+    </p:spTree>
+  </p:cSld>
+</p:sld>
+</file>
+
+<file path=ppt/slides/slide19.xml><?xml version="1.0" encoding="utf-8"?>
+<p:sld xmlns:a="http://schemas.openxmlformats.org/drawingml/2006/main" xmlns:r="http://schemas.openxmlformats.org/officeDocument/2006/relationships" xmlns:p="http://schemas.openxmlformats.org/presentationml/2006/main">
+  <p:cSld>
+    <p:spTree>
+      <p:nvGrpSpPr>
+        <p:cNvPr id="1" name=""/>
+        <p:cNvGrpSpPr/>
+        <p:nvPr/>
+      </p:nvGrpSpPr>
+      <p:grpSpPr>
+        <a:xfrm>
+          <a:off x="0" y="0"/>
+          <a:ext cx="0" cy="0"/>
+          <a:chOff x="0" y="0"/>
+          <a:chExt cx="0" cy="0"/>
+        </a:xfrm>
+      </p:grpSpPr>
+      <p:sp>
+        <p:nvSpPr>
+          <p:cNvPr id="2" name="Title 1">
+            <a:extLst>
+              <a:ext uri="{FF2B5EF4-FFF2-40B4-BE49-F238E27FC236}">
+                <a16:creationId xmlns:a16="http://schemas.microsoft.com/office/drawing/2014/main" id="{DD9B8E45-0772-954C-8D4B-6E6808DFEDED}"/>
+              </a:ext>
+            </a:extLst>
+          </p:cNvPr>
+          <p:cNvSpPr>
+            <a:spLocks noGrp="1"/>
+          </p:cNvSpPr>
+          <p:nvPr>
+            <p:ph type="title"/>
+          </p:nvPr>
+        </p:nvSpPr>
+        <p:spPr>
+          <a:xfrm>
+            <a:off x="838200" y="365129"/>
+            <a:ext cx="10515600" cy="1325563"/>
+          </a:xfrm>
+          <a:prstGeom prst="rect">
+            <a:avLst/>
+          </a:prstGeom>
+        </p:spPr>
+        <p:txBody>
+          <a:bodyPr/>
+          <a:lstStyle/>
+          <a:p>
+            <a:pPr lvl="0" indent="0" marL="0">
+              <a:buNone/>
+            </a:pPr>
+            <a:r>
+              <a:rPr/>
+              <a:t>Professional Certifications</a:t>
+            </a:r>
+          </a:p>
+        </p:txBody>
+      </p:sp>
+      <p:sp>
+        <p:nvSpPr>
+          <p:cNvPr id="3" name="Content Placeholder 2">
+            <a:extLst>
+              <a:ext uri="{FF2B5EF4-FFF2-40B4-BE49-F238E27FC236}">
+                <a16:creationId xmlns:a16="http://schemas.microsoft.com/office/drawing/2014/main" id="{A4EB24F9-04F1-C843-9D71-56C5C024552B}"/>
+              </a:ext>
+            </a:extLst>
+          </p:cNvPr>
+          <p:cNvSpPr>
+            <a:spLocks noGrp="1"/>
+          </p:cNvSpPr>
+          <p:nvPr>
+            <p:ph idx="1"/>
+          </p:nvPr>
+        </p:nvSpPr>
+        <p:spPr/>
+        <p:txBody>
+          <a:bodyPr/>
+          <a:lstStyle/>
+          <a:p>
+            <a:pPr lvl="0"/>
+            <a:r>
+              <a:rPr/>
+              <a:t>Practical and industry-specific qualifications.</a:t>
+            </a:r>
+          </a:p>
+          <a:p>
+            <a:pPr lvl="0"/>
+            <a:r>
+              <a:rPr/>
+              <a:t>Quicker entry into the job market.</a:t>
             </a:r>
           </a:p>
         </p:txBody>
@@ -4487,7 +4971,516 @@
             </a:pPr>
             <a:r>
               <a:rPr/>
-              <a:t>Section heading</a:t>
+              <a:t>Introduction</a:t>
+            </a:r>
+          </a:p>
+        </p:txBody>
+      </p:sp>
+    </p:spTree>
+  </p:cSld>
+</p:sld>
+</file>
+
+<file path=ppt/slides/slide20.xml><?xml version="1.0" encoding="utf-8"?>
+<p:sld xmlns:a="http://schemas.openxmlformats.org/drawingml/2006/main" xmlns:r="http://schemas.openxmlformats.org/officeDocument/2006/relationships" xmlns:p="http://schemas.openxmlformats.org/presentationml/2006/main">
+  <p:cSld>
+    <p:spTree>
+      <p:nvGrpSpPr>
+        <p:cNvPr id="1" name=""/>
+        <p:cNvGrpSpPr/>
+        <p:nvPr/>
+      </p:nvGrpSpPr>
+      <p:grpSpPr>
+        <a:xfrm>
+          <a:off x="0" y="0"/>
+          <a:ext cx="0" cy="0"/>
+          <a:chOff x="0" y="0"/>
+          <a:chExt cx="0" cy="0"/>
+        </a:xfrm>
+      </p:grpSpPr>
+      <p:sp>
+        <p:nvSpPr>
+          <p:cNvPr id="2" name="Title 1">
+            <a:extLst>
+              <a:ext uri="{FF2B5EF4-FFF2-40B4-BE49-F238E27FC236}">
+                <a16:creationId xmlns:a16="http://schemas.microsoft.com/office/drawing/2014/main" id="{DD9B8E45-0772-954C-8D4B-6E6808DFEDED}"/>
+              </a:ext>
+            </a:extLst>
+          </p:cNvPr>
+          <p:cNvSpPr>
+            <a:spLocks noGrp="1"/>
+          </p:cNvSpPr>
+          <p:nvPr>
+            <p:ph type="title"/>
+          </p:nvPr>
+        </p:nvSpPr>
+        <p:spPr>
+          <a:xfrm>
+            <a:off x="838200" y="365129"/>
+            <a:ext cx="10515600" cy="1325563"/>
+          </a:xfrm>
+          <a:prstGeom prst="rect">
+            <a:avLst/>
+          </a:prstGeom>
+        </p:spPr>
+        <p:txBody>
+          <a:bodyPr/>
+          <a:lstStyle/>
+          <a:p>
+            <a:pPr lvl="0" indent="0" marL="0">
+              <a:buNone/>
+            </a:pPr>
+            <a:r>
+              <a:rPr/>
+              <a:t>Entrepreneurship and Startups</a:t>
+            </a:r>
+          </a:p>
+        </p:txBody>
+      </p:sp>
+      <p:sp>
+        <p:nvSpPr>
+          <p:cNvPr id="3" name="Content Placeholder 2">
+            <a:extLst>
+              <a:ext uri="{FF2B5EF4-FFF2-40B4-BE49-F238E27FC236}">
+                <a16:creationId xmlns:a16="http://schemas.microsoft.com/office/drawing/2014/main" id="{A4EB24F9-04F1-C843-9D71-56C5C024552B}"/>
+              </a:ext>
+            </a:extLst>
+          </p:cNvPr>
+          <p:cNvSpPr>
+            <a:spLocks noGrp="1"/>
+          </p:cNvSpPr>
+          <p:nvPr>
+            <p:ph idx="1"/>
+          </p:nvPr>
+        </p:nvSpPr>
+        <p:spPr/>
+        <p:txBody>
+          <a:bodyPr/>
+          <a:lstStyle/>
+          <a:p>
+            <a:pPr lvl="0"/>
+            <a:r>
+              <a:rPr/>
+              <a:t>Leveraging skills and knowledge to create new opportunities.</a:t>
+            </a:r>
+          </a:p>
+          <a:p>
+            <a:pPr lvl="0"/>
+            <a:r>
+              <a:rPr/>
+              <a:t>The growing trend of innovation outside academia.</a:t>
+            </a:r>
+          </a:p>
+        </p:txBody>
+      </p:sp>
+    </p:spTree>
+  </p:cSld>
+</p:sld>
+</file>
+
+<file path=ppt/slides/slide21.xml><?xml version="1.0" encoding="utf-8"?>
+<p:sld xmlns:a="http://schemas.openxmlformats.org/drawingml/2006/main" xmlns:r="http://schemas.openxmlformats.org/officeDocument/2006/relationships" xmlns:p="http://schemas.openxmlformats.org/presentationml/2006/main">
+  <p:cSld>
+    <p:spTree>
+      <p:nvGrpSpPr>
+        <p:cNvPr id="1" name=""/>
+        <p:cNvGrpSpPr/>
+        <p:nvPr/>
+      </p:nvGrpSpPr>
+      <p:grpSpPr>
+        <a:xfrm>
+          <a:off x="0" y="0"/>
+          <a:ext cx="0" cy="0"/>
+          <a:chOff x="0" y="0"/>
+          <a:chExt cx="0" cy="0"/>
+        </a:xfrm>
+      </p:grpSpPr>
+      <p:sp>
+        <p:nvSpPr>
+          <p:cNvPr id="2" name="Title 1">
+            <a:extLst>
+              <a:ext uri="{FF2B5EF4-FFF2-40B4-BE49-F238E27FC236}">
+                <a16:creationId xmlns:a16="http://schemas.microsoft.com/office/drawing/2014/main" id="{FF6A6CB2-D1B6-B94A-84C1-83C65423C650}"/>
+              </a:ext>
+            </a:extLst>
+          </p:cNvPr>
+          <p:cNvSpPr>
+            <a:spLocks noGrp="1"/>
+          </p:cNvSpPr>
+          <p:nvPr>
+            <p:ph type="title"/>
+          </p:nvPr>
+        </p:nvSpPr>
+        <p:spPr>
+          <a:xfrm>
+            <a:off x="831851" y="1709742"/>
+            <a:ext cx="10515600" cy="2852737"/>
+          </a:xfrm>
+          <a:prstGeom prst="rect">
+            <a:avLst/>
+          </a:prstGeom>
+        </p:spPr>
+        <p:txBody>
+          <a:bodyPr/>
+          <a:lstStyle/>
+          <a:p>
+            <a:pPr lvl="0" indent="0" marL="0">
+              <a:buNone/>
+            </a:pPr>
+            <a:r>
+              <a:rPr/>
+              <a:t>Conclusion</a:t>
+            </a:r>
+          </a:p>
+        </p:txBody>
+      </p:sp>
+    </p:spTree>
+  </p:cSld>
+</p:sld>
+</file>
+
+<file path=ppt/slides/slide22.xml><?xml version="1.0" encoding="utf-8"?>
+<p:sld xmlns:a="http://schemas.openxmlformats.org/drawingml/2006/main" xmlns:r="http://schemas.openxmlformats.org/officeDocument/2006/relationships" xmlns:p="http://schemas.openxmlformats.org/presentationml/2006/main">
+  <p:cSld>
+    <p:spTree>
+      <p:nvGrpSpPr>
+        <p:cNvPr id="1" name=""/>
+        <p:cNvGrpSpPr/>
+        <p:nvPr/>
+      </p:nvGrpSpPr>
+      <p:grpSpPr>
+        <a:xfrm>
+          <a:off x="0" y="0"/>
+          <a:ext cx="0" cy="0"/>
+          <a:chOff x="0" y="0"/>
+          <a:chExt cx="0" cy="0"/>
+        </a:xfrm>
+      </p:grpSpPr>
+      <p:sp>
+        <p:nvSpPr>
+          <p:cNvPr id="2" name="Title 1">
+            <a:extLst>
+              <a:ext uri="{FF2B5EF4-FFF2-40B4-BE49-F238E27FC236}">
+                <a16:creationId xmlns:a16="http://schemas.microsoft.com/office/drawing/2014/main" id="{DD9B8E45-0772-954C-8D4B-6E6808DFEDED}"/>
+              </a:ext>
+            </a:extLst>
+          </p:cNvPr>
+          <p:cNvSpPr>
+            <a:spLocks noGrp="1"/>
+          </p:cNvSpPr>
+          <p:nvPr>
+            <p:ph type="title"/>
+          </p:nvPr>
+        </p:nvSpPr>
+        <p:spPr>
+          <a:xfrm>
+            <a:off x="838200" y="365129"/>
+            <a:ext cx="10515600" cy="1325563"/>
+          </a:xfrm>
+          <a:prstGeom prst="rect">
+            <a:avLst/>
+          </a:prstGeom>
+        </p:spPr>
+        <p:txBody>
+          <a:bodyPr/>
+          <a:lstStyle/>
+          <a:p>
+            <a:pPr lvl="0" indent="0" marL="0">
+              <a:buNone/>
+            </a:pPr>
+            <a:r>
+              <a:rPr/>
+              <a:t>Summary</a:t>
+            </a:r>
+          </a:p>
+        </p:txBody>
+      </p:sp>
+      <p:sp>
+        <p:nvSpPr>
+          <p:cNvPr id="3" name="Content Placeholder 2">
+            <a:extLst>
+              <a:ext uri="{FF2B5EF4-FFF2-40B4-BE49-F238E27FC236}">
+                <a16:creationId xmlns:a16="http://schemas.microsoft.com/office/drawing/2014/main" id="{A4EB24F9-04F1-C843-9D71-56C5C024552B}"/>
+              </a:ext>
+            </a:extLst>
+          </p:cNvPr>
+          <p:cNvSpPr>
+            <a:spLocks noGrp="1"/>
+          </p:cNvSpPr>
+          <p:nvPr>
+            <p:ph idx="1"/>
+          </p:nvPr>
+        </p:nvSpPr>
+        <p:spPr/>
+        <p:txBody>
+          <a:bodyPr/>
+          <a:lstStyle/>
+          <a:p>
+            <a:pPr lvl="0"/>
+            <a:r>
+              <a:rPr/>
+              <a:t>Reassess the traditional academic pathway.</a:t>
+            </a:r>
+          </a:p>
+          <a:p>
+            <a:pPr lvl="0"/>
+            <a:r>
+              <a:rPr/>
+              <a:t>Consider the broader implications of pursuing a PhD.</a:t>
+            </a:r>
+          </a:p>
+          <a:p>
+            <a:pPr lvl="0"/>
+            <a:r>
+              <a:rPr/>
+              <a:t>Encourage informed decision-making for aspiring academics.</a:t>
+            </a:r>
+          </a:p>
+        </p:txBody>
+      </p:sp>
+    </p:spTree>
+  </p:cSld>
+</p:sld>
+</file>
+
+<file path=ppt/slides/slide23.xml><?xml version="1.0" encoding="utf-8"?>
+<p:sld xmlns:a="http://schemas.openxmlformats.org/drawingml/2006/main" xmlns:r="http://schemas.openxmlformats.org/officeDocument/2006/relationships" xmlns:p="http://schemas.openxmlformats.org/presentationml/2006/main">
+  <p:cSld>
+    <p:spTree>
+      <p:nvGrpSpPr>
+        <p:cNvPr id="1" name=""/>
+        <p:cNvGrpSpPr/>
+        <p:nvPr/>
+      </p:nvGrpSpPr>
+      <p:grpSpPr>
+        <a:xfrm>
+          <a:off x="0" y="0"/>
+          <a:ext cx="0" cy="0"/>
+          <a:chOff x="0" y="0"/>
+          <a:chExt cx="0" cy="0"/>
+        </a:xfrm>
+      </p:grpSpPr>
+      <p:sp>
+        <p:nvSpPr>
+          <p:cNvPr id="2" name="Title 1">
+            <a:extLst>
+              <a:ext uri="{FF2B5EF4-FFF2-40B4-BE49-F238E27FC236}">
+                <a16:creationId xmlns:a16="http://schemas.microsoft.com/office/drawing/2014/main" id="{DD9B8E45-0772-954C-8D4B-6E6808DFEDED}"/>
+              </a:ext>
+            </a:extLst>
+          </p:cNvPr>
+          <p:cNvSpPr>
+            <a:spLocks noGrp="1"/>
+          </p:cNvSpPr>
+          <p:nvPr>
+            <p:ph type="title"/>
+          </p:nvPr>
+        </p:nvSpPr>
+        <p:spPr>
+          <a:xfrm>
+            <a:off x="838200" y="365129"/>
+            <a:ext cx="10515600" cy="1325563"/>
+          </a:xfrm>
+          <a:prstGeom prst="rect">
+            <a:avLst/>
+          </a:prstGeom>
+        </p:spPr>
+        <p:txBody>
+          <a:bodyPr/>
+          <a:lstStyle/>
+          <a:p>
+            <a:pPr lvl="0" indent="0" marL="0">
+              <a:buNone/>
+            </a:pPr>
+            <a:r>
+              <a:rPr/>
+              <a:t>Final Thoughts</a:t>
+            </a:r>
+          </a:p>
+        </p:txBody>
+      </p:sp>
+      <p:sp>
+        <p:nvSpPr>
+          <p:cNvPr id="3" name="Content Placeholder 2">
+            <a:extLst>
+              <a:ext uri="{FF2B5EF4-FFF2-40B4-BE49-F238E27FC236}">
+                <a16:creationId xmlns:a16="http://schemas.microsoft.com/office/drawing/2014/main" id="{A4EB24F9-04F1-C843-9D71-56C5C024552B}"/>
+              </a:ext>
+            </a:extLst>
+          </p:cNvPr>
+          <p:cNvSpPr>
+            <a:spLocks noGrp="1"/>
+          </p:cNvSpPr>
+          <p:nvPr>
+            <p:ph idx="1"/>
+          </p:nvPr>
+        </p:nvSpPr>
+        <p:spPr/>
+        <p:txBody>
+          <a:bodyPr/>
+          <a:lstStyle/>
+          <a:p>
+            <a:pPr lvl="0"/>
+            <a:r>
+              <a:rPr/>
+              <a:t>The future of doctoral education.</a:t>
+            </a:r>
+          </a:p>
+          <a:p>
+            <a:pPr lvl="0"/>
+            <a:r>
+              <a:rPr/>
+              <a:t>The need for reform in PhD programs.</a:t>
+            </a:r>
+          </a:p>
+          <a:p>
+            <a:pPr lvl="0"/>
+            <a:r>
+              <a:rPr b="1"/>
+              <a:t>Statistic</a:t>
+            </a:r>
+            <a:r>
+              <a:rPr/>
+              <a:t>: In Germany, where PhDs are shorter and more integrated with industry, graduates find employment faster and in more varied roles (The Economist, 2010).</a:t>
+            </a:r>
+          </a:p>
+          <a:p>
+            <a:pPr lvl="0"/>
+            <a:r>
+              <a:rPr/>
+              <a:t>Emphasizing the importance of aligning education with market demands.</a:t>
+            </a:r>
+          </a:p>
+        </p:txBody>
+      </p:sp>
+    </p:spTree>
+  </p:cSld>
+</p:sld>
+</file>
+
+<file path=ppt/slides/slide24.xml><?xml version="1.0" encoding="utf-8"?>
+<p:sld xmlns:a="http://schemas.openxmlformats.org/drawingml/2006/main" xmlns:r="http://schemas.openxmlformats.org/officeDocument/2006/relationships" xmlns:p="http://schemas.openxmlformats.org/presentationml/2006/main">
+  <p:cSld>
+    <p:spTree>
+      <p:nvGrpSpPr>
+        <p:cNvPr id="1" name=""/>
+        <p:cNvGrpSpPr/>
+        <p:nvPr/>
+      </p:nvGrpSpPr>
+      <p:grpSpPr>
+        <a:xfrm>
+          <a:off x="0" y="0"/>
+          <a:ext cx="0" cy="0"/>
+          <a:chOff x="0" y="0"/>
+          <a:chExt cx="0" cy="0"/>
+        </a:xfrm>
+      </p:grpSpPr>
+      <p:sp>
+        <p:nvSpPr>
+          <p:cNvPr id="2" name="Title 1">
+            <a:extLst>
+              <a:ext uri="{FF2B5EF4-FFF2-40B4-BE49-F238E27FC236}">
+                <a16:creationId xmlns:a16="http://schemas.microsoft.com/office/drawing/2014/main" id="{FF6A6CB2-D1B6-B94A-84C1-83C65423C650}"/>
+              </a:ext>
+            </a:extLst>
+          </p:cNvPr>
+          <p:cNvSpPr>
+            <a:spLocks noGrp="1"/>
+          </p:cNvSpPr>
+          <p:nvPr>
+            <p:ph type="title"/>
+          </p:nvPr>
+        </p:nvSpPr>
+        <p:spPr>
+          <a:xfrm>
+            <a:off x="831851" y="1709742"/>
+            <a:ext cx="10515600" cy="2852737"/>
+          </a:xfrm>
+          <a:prstGeom prst="rect">
+            <a:avLst/>
+          </a:prstGeom>
+        </p:spPr>
+        <p:txBody>
+          <a:bodyPr/>
+          <a:lstStyle/>
+          <a:p>
+            <a:pPr lvl="0" indent="0" marL="0">
+              <a:buNone/>
+            </a:pPr>
+            <a:r>
+              <a:rPr/>
+              <a:t>References</a:t>
+            </a:r>
+          </a:p>
+        </p:txBody>
+      </p:sp>
+    </p:spTree>
+  </p:cSld>
+</p:sld>
+</file>
+
+<file path=ppt/slides/slide25.xml><?xml version="1.0" encoding="utf-8"?>
+<p:sld xmlns:a="http://schemas.openxmlformats.org/drawingml/2006/main" xmlns:r="http://schemas.openxmlformats.org/officeDocument/2006/relationships" xmlns:p="http://schemas.openxmlformats.org/presentationml/2006/main">
+  <p:cSld>
+    <p:spTree>
+      <p:nvGrpSpPr>
+        <p:cNvPr id="1" name=""/>
+        <p:cNvGrpSpPr/>
+        <p:nvPr/>
+      </p:nvGrpSpPr>
+      <p:grpSpPr>
+        <a:xfrm>
+          <a:off x="0" y="0"/>
+          <a:ext cx="0" cy="0"/>
+          <a:chOff x="0" y="0"/>
+          <a:chExt cx="0" cy="0"/>
+        </a:xfrm>
+      </p:grpSpPr>
+      <p:sp>
+        <p:nvSpPr>
+          <p:cNvPr id="3" name="Content Placeholder 2">
+            <a:extLst>
+              <a:ext uri="{FF2B5EF4-FFF2-40B4-BE49-F238E27FC236}">
+                <a16:creationId xmlns:a16="http://schemas.microsoft.com/office/drawing/2014/main" id="{A4EB24F9-04F1-C843-9D71-56C5C024552B}"/>
+              </a:ext>
+            </a:extLst>
+          </p:cNvPr>
+          <p:cNvSpPr>
+            <a:spLocks noGrp="1"/>
+          </p:cNvSpPr>
+          <p:nvPr>
+            <p:ph idx="1"/>
+          </p:nvPr>
+        </p:nvSpPr>
+        <p:spPr/>
+        <p:txBody>
+          <a:bodyPr/>
+          <a:lstStyle/>
+          <a:p>
+            <a:pPr lvl="0" indent="0" marL="0">
+              <a:buNone/>
+            </a:pPr>
+            <a:r>
+              <a:rPr/>
+              <a:t>The Economist (2010) ‘The disposable academic: Why doing a PhD is often a waste of time’, </a:t>
+            </a:r>
+            <a:r>
+              <a:rPr i="1"/>
+              <a:t>The Economist</a:t>
+            </a:r>
+            <a:r>
+              <a:rPr/>
+              <a:t>. Available at: </a:t>
+            </a:r>
+            <a:r>
+              <a:rPr>
+                <a:hlinkClick r:id="rId2"/>
+              </a:rPr>
+              <a:t>https://www.economist.com/node/17723223</a:t>
+            </a:r>
+            <a:r>
+              <a:rPr/>
+              <a:t>.</a:t>
             </a:r>
           </a:p>
         </p:txBody>
@@ -4516,45 +5509,6 @@
       </p:grpSpPr>
       <p:sp>
         <p:nvSpPr>
-          <p:cNvPr id="2" name="Title 1">
-            <a:extLst>
-              <a:ext uri="{FF2B5EF4-FFF2-40B4-BE49-F238E27FC236}">
-                <a16:creationId xmlns:a16="http://schemas.microsoft.com/office/drawing/2014/main" id="{DD9B8E45-0772-954C-8D4B-6E6808DFEDED}"/>
-              </a:ext>
-            </a:extLst>
-          </p:cNvPr>
-          <p:cNvSpPr>
-            <a:spLocks noGrp="1"/>
-          </p:cNvSpPr>
-          <p:nvPr>
-            <p:ph type="title"/>
-          </p:nvPr>
-        </p:nvSpPr>
-        <p:spPr>
-          <a:xfrm>
-            <a:off x="838200" y="365129"/>
-            <a:ext cx="10515600" cy="1325563"/>
-          </a:xfrm>
-          <a:prstGeom prst="rect">
-            <a:avLst/>
-          </a:prstGeom>
-        </p:spPr>
-        <p:txBody>
-          <a:bodyPr/>
-          <a:lstStyle/>
-          <a:p>
-            <a:pPr lvl="0" indent="0" marL="0">
-              <a:buNone/>
-            </a:pPr>
-            <a:r>
-              <a:rPr/>
-              <a:t>Slide heading</a:t>
-            </a:r>
-          </a:p>
-        </p:txBody>
-      </p:sp>
-      <p:sp>
-        <p:nvSpPr>
           <p:cNvPr id="3" name="Content Placeholder 2">
             <a:extLst>
               <a:ext uri="{FF2B5EF4-FFF2-40B4-BE49-F238E27FC236}">
@@ -4574,12 +5528,24 @@
           <a:bodyPr/>
           <a:lstStyle/>
           <a:p>
-            <a:pPr lvl="0" indent="0" marL="0">
-              <a:buNone/>
-            </a:pPr>
-            <a:r>
-              <a:rPr/>
-              <a:t>Text here. You can use the mark tag to highlight things in some formats.</a:t>
+            <a:pPr lvl="0"/>
+            <a:r>
+              <a:rPr/>
+              <a:t>Overview of the growing concern about the value of PhD programs.</a:t>
+            </a:r>
+          </a:p>
+          <a:p>
+            <a:pPr lvl="0"/>
+            <a:r>
+              <a:rPr/>
+              <a:t>Historical context of doctoral education.</a:t>
+            </a:r>
+          </a:p>
+          <a:p>
+            <a:pPr lvl="0"/>
+            <a:r>
+              <a:rPr/>
+              <a:t>Purpose: To evaluate whether pursuing a PhD is worth the time, effort, and cost.</a:t>
             </a:r>
           </a:p>
         </p:txBody>
@@ -4611,7 +5577,7 @@
           <p:cNvPr id="2" name="Title 1">
             <a:extLst>
               <a:ext uri="{FF2B5EF4-FFF2-40B4-BE49-F238E27FC236}">
-                <a16:creationId xmlns:a16="http://schemas.microsoft.com/office/drawing/2014/main" id="{DD9B8E45-0772-954C-8D4B-6E6808DFEDED}"/>
+                <a16:creationId xmlns:a16="http://schemas.microsoft.com/office/drawing/2014/main" id="{FF6A6CB2-D1B6-B94A-84C1-83C65423C650}"/>
               </a:ext>
             </a:extLst>
           </p:cNvPr>
@@ -4624,8 +5590,8 @@
         </p:nvSpPr>
         <p:spPr>
           <a:xfrm>
-            <a:off x="838200" y="365129"/>
-            <a:ext cx="10515600" cy="1325563"/>
+            <a:off x="831851" y="1709742"/>
+            <a:ext cx="10515600" cy="2852737"/>
           </a:xfrm>
           <a:prstGeom prst="rect">
             <a:avLst/>
@@ -4640,41 +5606,11 @@
             </a:pPr>
             <a:r>
               <a:rPr/>
-              <a:t>New slide heading</a:t>
-            </a:r>
-          </a:p>
-        </p:txBody>
-      </p:sp>
-      <p:pic>
-        <p:nvPicPr>
-          <p:cNvPr descr="imgs/Brown_spotted_tabby_bengal_cat_2.png" id="0" name="Picture 1"/>
-          <p:cNvPicPr>
-            <a:picLocks noGrp="1" noChangeAspect="1"/>
-          </p:cNvPicPr>
-          <p:nvPr/>
-        </p:nvPicPr>
-        <p:blipFill>
-          <a:blip r:embed="rId2"/>
-          <a:stretch>
-            <a:fillRect/>
-          </a:stretch>
-        </p:blipFill>
-        <p:spPr bwMode="auto">
-          <a:xfrm>
-            <a:off x="3098800" y="1816100"/>
-            <a:ext cx="6007100" cy="4343400"/>
-          </a:xfrm>
-          <a:prstGeom prst="rect">
-            <a:avLst/>
-          </a:prstGeom>
-          <a:noFill/>
-          <a:ln w="9525">
-            <a:noFill/>
-            <a:headEnd/>
-            <a:tailEnd/>
-          </a:ln>
-        </p:spPr>
-      </p:pic>
+              <a:t>The PhD Dilemma</a:t>
+            </a:r>
+          </a:p>
+        </p:txBody>
+      </p:sp>
     </p:spTree>
   </p:cSld>
 </p:sld>
@@ -4731,7 +5667,7 @@
             </a:pPr>
             <a:r>
               <a:rPr/>
-              <a:t>Incremental lists</a:t>
+              <a:t>The PhD Journey</a:t>
             </a:r>
           </a:p>
         </p:txBody>
@@ -4760,151 +5696,38 @@
             <a:pPr lvl="0"/>
             <a:r>
               <a:rPr/>
-              <a:t>Put in code fence</a:t>
+              <a:t>Lengthy process (often 4-7 years).</a:t>
             </a:r>
           </a:p>
           <a:p>
             <a:pPr lvl="0"/>
             <a:r>
               <a:rPr/>
-              <a:t>Using three colons</a:t>
+              <a:t>High levels of specialization.</a:t>
+            </a:r>
+          </a:p>
+          <a:p>
+            <a:pPr lvl="0"/>
+            <a:r>
+              <a:rPr/>
+              <a:t>Significant personal and financial sacrifices.</a:t>
+            </a:r>
+          </a:p>
+          <a:p>
+            <a:pPr lvl="0"/>
+            <a:r>
+              <a:rPr b="1"/>
+              <a:t>Statistic</a:t>
+            </a:r>
+            <a:r>
+              <a:rPr/>
+              <a:t>: In 2009, the United States awarded 64,000 PhDs, but only 14% of graduates secured tenure-track positions within 5 years (The Economist, 2010).</a:t>
             </a:r>
           </a:p>
         </p:txBody>
       </p:sp>
     </p:spTree>
   </p:cSld>
-  <p:timing>
-    <p:tnLst>
-      <p:par>
-        <p:cTn id="1" dur="indefinite" restart="never" nodeType="tmRoot">
-          <p:childTnLst>
-            <p:seq concurrent="1" nextAc="seek">
-              <p:cTn id="2" dur="indefinite" nodeType="mainSeq">
-                <p:childTnLst>
-                  <p:par>
-                    <p:cTn id="3" fill="hold">
-                      <p:stCondLst>
-                        <p:cond delay="indefinite"/>
-                      </p:stCondLst>
-                      <p:childTnLst>
-                        <p:par>
-                          <p:cTn id="4" fill="hold">
-                            <p:stCondLst>
-                              <p:cond delay="0"/>
-                            </p:stCondLst>
-                            <p:childTnLst>
-                              <p:par>
-                                <p:cTn id="5" presetID="1" presetClass="entr" presetSubtype="0" fill="hold" grpId="0" nodeType="clickEffect">
-                                  <p:stCondLst>
-                                    <p:cond delay="0"/>
-                                  </p:stCondLst>
-                                  <p:childTnLst>
-                                    <p:set>
-                                      <p:cBhvr>
-                                        <p:cTn id="6" dur="1" fill="hold">
-                                          <p:stCondLst>
-                                            <p:cond delay="0"/>
-                                          </p:stCondLst>
-                                        </p:cTn>
-                                        <p:tgtEl>
-                                          <p:spTgt spid="3">
-                                            <p:txEl>
-                                              <p:pRg st="0" end="0"/>
-                                            </p:txEl>
-                                          </p:spTgt>
-                                        </p:tgtEl>
-                                        <p:attrNameLst>
-                                          <p:attrName>style.visibility</p:attrName>
-                                        </p:attrNameLst>
-                                      </p:cBhvr>
-                                      <p:to>
-                                        <p:strVal val="visible"/>
-                                      </p:to>
-                                    </p:set>
-                                  </p:childTnLst>
-                                </p:cTn>
-                              </p:par>
-                            </p:childTnLst>
-                          </p:cTn>
-                        </p:par>
-                      </p:childTnLst>
-                    </p:cTn>
-                  </p:par>
-                  <p:par>
-                    <p:cTn id="7" fill="hold">
-                      <p:stCondLst>
-                        <p:cond delay="indefinite"/>
-                      </p:stCondLst>
-                      <p:childTnLst>
-                        <p:par>
-                          <p:cTn id="8" fill="hold">
-                            <p:stCondLst>
-                              <p:cond delay="0"/>
-                            </p:stCondLst>
-                            <p:childTnLst>
-                              <p:par>
-                                <p:cTn id="9" presetID="1" presetClass="entr" presetSubtype="0" fill="hold" grpId="0" nodeType="clickEffect">
-                                  <p:stCondLst>
-                                    <p:cond delay="0"/>
-                                  </p:stCondLst>
-                                  <p:childTnLst>
-                                    <p:set>
-                                      <p:cBhvr>
-                                        <p:cTn id="10" dur="1" fill="hold">
-                                          <p:stCondLst>
-                                            <p:cond delay="0"/>
-                                          </p:stCondLst>
-                                        </p:cTn>
-                                        <p:tgtEl>
-                                          <p:spTgt spid="3">
-                                            <p:txEl>
-                                              <p:pRg st="1" end="1"/>
-                                            </p:txEl>
-                                          </p:spTgt>
-                                        </p:tgtEl>
-                                        <p:attrNameLst>
-                                          <p:attrName>style.visibility</p:attrName>
-                                        </p:attrNameLst>
-                                      </p:cBhvr>
-                                      <p:to>
-                                        <p:strVal val="visible"/>
-                                      </p:to>
-                                    </p:set>
-                                  </p:childTnLst>
-                                </p:cTn>
-                              </p:par>
-                            </p:childTnLst>
-                          </p:cTn>
-                        </p:par>
-                      </p:childTnLst>
-                    </p:cTn>
-                  </p:par>
-                </p:childTnLst>
-              </p:cTn>
-              <p:prevCondLst>
-                <p:cond evt="onPrev" delay="0">
-                  <p:tgtEl>
-                    <p:sldTgt/>
-                  </p:tgtEl>
-                </p:cond>
-              </p:prevCondLst>
-              <p:nextCondLst>
-                <p:cond evt="onNext" delay="0">
-                  <p:tgtEl>
-                    <p:sldTgt/>
-                  </p:tgtEl>
-                </p:cond>
-              </p:nextCondLst>
-            </p:seq>
-          </p:childTnLst>
-        </p:cTn>
-      </p:par>
-    </p:tnLst>
-    <p:bldLst>
-      <p:bldP spid="3" grpId="0" uiExpand="1" build="p"/>
-    </p:bldLst>
-  </p:timing>
 </p:sld>
 </file>
 
@@ -4959,7 +5782,7 @@
             </a:pPr>
             <a:r>
               <a:rPr/>
-              <a:t>Emoji</a:t>
+              <a:t>Job Market Realities</a:t>
             </a:r>
           </a:p>
         </p:txBody>
@@ -4985,12 +5808,35 @@
           <a:bodyPr/>
           <a:lstStyle/>
           <a:p>
-            <a:pPr lvl="0" indent="0" marL="0">
-              <a:buNone/>
-            </a:pPr>
-            <a:r>
-              <a:rPr/>
-              <a:t>🤩 Totes work, except in PDF output, boo.</a:t>
+            <a:pPr lvl="0"/>
+            <a:r>
+              <a:rPr/>
+              <a:t>Limited academic positions.</a:t>
+            </a:r>
+          </a:p>
+          <a:p>
+            <a:pPr lvl="0"/>
+            <a:r>
+              <a:rPr/>
+              <a:t>Overqualification for non-academic roles.</a:t>
+            </a:r>
+          </a:p>
+          <a:p>
+            <a:pPr lvl="0"/>
+            <a:r>
+              <a:rPr/>
+              <a:t>Saturation of PhD holders in the job market.</a:t>
+            </a:r>
+          </a:p>
+          <a:p>
+            <a:pPr lvl="0"/>
+            <a:r>
+              <a:rPr b="1"/>
+              <a:t>Statistic</a:t>
+            </a:r>
+            <a:r>
+              <a:rPr/>
+              <a:t>: In 2010, only 3.5% of PhDs in science, technology, engineering, and mathematics (STEM) found permanent academic jobs within 5 years of graduating (The Economist, 2010).</a:t>
             </a:r>
           </a:p>
         </p:txBody>
@@ -5022,7 +5868,7 @@
           <p:cNvPr id="2" name="Title 1">
             <a:extLst>
               <a:ext uri="{FF2B5EF4-FFF2-40B4-BE49-F238E27FC236}">
-                <a16:creationId xmlns:a16="http://schemas.microsoft.com/office/drawing/2014/main" id="{DD9B8E45-0772-954C-8D4B-6E6808DFEDED}"/>
+                <a16:creationId xmlns:a16="http://schemas.microsoft.com/office/drawing/2014/main" id="{FF6A6CB2-D1B6-B94A-84C1-83C65423C650}"/>
               </a:ext>
             </a:extLst>
           </p:cNvPr>
@@ -5035,8 +5881,8 @@
         </p:nvSpPr>
         <p:spPr>
           <a:xfrm>
-            <a:off x="838200" y="365129"/>
-            <a:ext cx="10515600" cy="1325563"/>
+            <a:off x="831851" y="1709742"/>
+            <a:ext cx="10515600" cy="2852737"/>
           </a:xfrm>
           <a:prstGeom prst="rect">
             <a:avLst/>
@@ -5051,38 +5897,7 @@
             </a:pPr>
             <a:r>
               <a:rPr/>
-              <a:t>Speaker notes</a:t>
-            </a:r>
-          </a:p>
-        </p:txBody>
-      </p:sp>
-      <p:sp>
-        <p:nvSpPr>
-          <p:cNvPr id="3" name="Content Placeholder 2">
-            <a:extLst>
-              <a:ext uri="{FF2B5EF4-FFF2-40B4-BE49-F238E27FC236}">
-                <a16:creationId xmlns:a16="http://schemas.microsoft.com/office/drawing/2014/main" id="{A4EB24F9-04F1-C843-9D71-56C5C024552B}"/>
-              </a:ext>
-            </a:extLst>
-          </p:cNvPr>
-          <p:cNvSpPr>
-            <a:spLocks noGrp="1"/>
-          </p:cNvSpPr>
-          <p:nvPr>
-            <p:ph idx="1"/>
-          </p:nvPr>
-        </p:nvSpPr>
-        <p:spPr/>
-        <p:txBody>
-          <a:bodyPr/>
-          <a:lstStyle/>
-          <a:p>
-            <a:pPr lvl="0" indent="0" marL="0">
-              <a:buNone/>
-            </a:pPr>
-            <a:r>
-              <a:rPr/>
-              <a:t>Include speaker notes in another fenced code block.</a:t>
+              <a:t>Academic vs. Industry Gap</a:t>
             </a:r>
           </a:p>
         </p:txBody>
@@ -5114,7 +5929,7 @@
           <p:cNvPr id="2" name="Title 1">
             <a:extLst>
               <a:ext uri="{FF2B5EF4-FFF2-40B4-BE49-F238E27FC236}">
-                <a16:creationId xmlns:a16="http://schemas.microsoft.com/office/drawing/2014/main" id="{2ECFDBC1-527D-3041-984A-EF5E7E9B7495}"/>
+                <a16:creationId xmlns:a16="http://schemas.microsoft.com/office/drawing/2014/main" id="{DD9B8E45-0772-954C-8D4B-6E6808DFEDED}"/>
               </a:ext>
             </a:extLst>
           </p:cNvPr>
@@ -5143,7 +5958,7 @@
             </a:pPr>
             <a:r>
               <a:rPr/>
-              <a:t>Columns</a:t>
+              <a:t>Misalignment with Industry Needs</a:t>
             </a:r>
           </a:p>
         </p:txBody>
@@ -5153,15 +5968,15 @@
           <p:cNvPr id="3" name="Content Placeholder 2">
             <a:extLst>
               <a:ext uri="{FF2B5EF4-FFF2-40B4-BE49-F238E27FC236}">
-                <a16:creationId xmlns:a16="http://schemas.microsoft.com/office/drawing/2014/main" id="{63FA7BF1-44B1-744C-AB68-4BB0A6A5977E}"/>
-              </a:ext>
-            </a:extLst>
-          </p:cNvPr>
-          <p:cNvSpPr>
-            <a:spLocks noGrp="1"/>
-          </p:cNvSpPr>
-          <p:nvPr>
-            <p:ph idx="1" sz="half"/>
+                <a16:creationId xmlns:a16="http://schemas.microsoft.com/office/drawing/2014/main" id="{A4EB24F9-04F1-C843-9D71-56C5C024552B}"/>
+              </a:ext>
+            </a:extLst>
+          </p:cNvPr>
+          <p:cNvSpPr>
+            <a:spLocks noGrp="1"/>
+          </p:cNvSpPr>
+          <p:nvPr>
+            <p:ph idx="1"/>
           </p:nvPr>
         </p:nvSpPr>
         <p:spPr/>
@@ -5169,30 +5984,103 @@
           <a:bodyPr/>
           <a:lstStyle/>
           <a:p>
+            <a:pPr lvl="0"/>
+            <a:r>
+              <a:rPr/>
+              <a:t>PhD skills often mismatched with industry requirements.</a:t>
+            </a:r>
+          </a:p>
+          <a:p>
+            <a:pPr lvl="0"/>
+            <a:r>
+              <a:rPr/>
+              <a:t>Employers value practical experience over academic knowledge.</a:t>
+            </a:r>
+          </a:p>
+          <a:p>
+            <a:pPr lvl="0"/>
+            <a:r>
+              <a:rPr/>
+              <a:t>The disconnect between academic training and real-world applications.</a:t>
+            </a:r>
+          </a:p>
+        </p:txBody>
+      </p:sp>
+    </p:spTree>
+  </p:cSld>
+</p:sld>
+</file>
+
+<file path=ppt/slides/slide9.xml><?xml version="1.0" encoding="utf-8"?>
+<p:sld xmlns:a="http://schemas.openxmlformats.org/drawingml/2006/main" xmlns:r="http://schemas.openxmlformats.org/officeDocument/2006/relationships" xmlns:p="http://schemas.openxmlformats.org/presentationml/2006/main">
+  <p:cSld>
+    <p:spTree>
+      <p:nvGrpSpPr>
+        <p:cNvPr id="1" name=""/>
+        <p:cNvGrpSpPr/>
+        <p:nvPr/>
+      </p:nvGrpSpPr>
+      <p:grpSpPr>
+        <a:xfrm>
+          <a:off x="0" y="0"/>
+          <a:ext cx="0" cy="0"/>
+          <a:chOff x="0" y="0"/>
+          <a:chExt cx="0" cy="0"/>
+        </a:xfrm>
+      </p:grpSpPr>
+      <p:sp>
+        <p:nvSpPr>
+          <p:cNvPr id="2" name="Title 1">
+            <a:extLst>
+              <a:ext uri="{FF2B5EF4-FFF2-40B4-BE49-F238E27FC236}">
+                <a16:creationId xmlns:a16="http://schemas.microsoft.com/office/drawing/2014/main" id="{DD9B8E45-0772-954C-8D4B-6E6808DFEDED}"/>
+              </a:ext>
+            </a:extLst>
+          </p:cNvPr>
+          <p:cNvSpPr>
+            <a:spLocks noGrp="1"/>
+          </p:cNvSpPr>
+          <p:nvPr>
+            <p:ph type="title"/>
+          </p:nvPr>
+        </p:nvSpPr>
+        <p:spPr>
+          <a:xfrm>
+            <a:off x="838200" y="365129"/>
+            <a:ext cx="10515600" cy="1325563"/>
+          </a:xfrm>
+          <a:prstGeom prst="rect">
+            <a:avLst/>
+          </a:prstGeom>
+        </p:spPr>
+        <p:txBody>
+          <a:bodyPr/>
+          <a:lstStyle/>
+          <a:p>
             <a:pPr lvl="0" indent="0" marL="0">
               <a:buNone/>
             </a:pPr>
             <a:r>
               <a:rPr/>
-              <a:t>Put your contents in column code blocks</a:t>
-            </a:r>
-          </a:p>
-        </p:txBody>
-      </p:sp>
-      <p:sp>
-        <p:nvSpPr>
-          <p:cNvPr id="4" name="Content Placeholder 3">
-            <a:extLst>
-              <a:ext uri="{FF2B5EF4-FFF2-40B4-BE49-F238E27FC236}">
-                <a16:creationId xmlns:a16="http://schemas.microsoft.com/office/drawing/2014/main" id="{3B974A49-6A1E-2F48-B419-02B0A17B9692}"/>
-              </a:ext>
-            </a:extLst>
-          </p:cNvPr>
-          <p:cNvSpPr>
-            <a:spLocks noGrp="1"/>
-          </p:cNvSpPr>
-          <p:nvPr>
-            <p:ph idx="2" sz="half"/>
+              <a:t>Post-PhD Employment</a:t>
+            </a:r>
+          </a:p>
+        </p:txBody>
+      </p:sp>
+      <p:sp>
+        <p:nvSpPr>
+          <p:cNvPr id="3" name="Content Placeholder 2">
+            <a:extLst>
+              <a:ext uri="{FF2B5EF4-FFF2-40B4-BE49-F238E27FC236}">
+                <a16:creationId xmlns:a16="http://schemas.microsoft.com/office/drawing/2014/main" id="{A4EB24F9-04F1-C843-9D71-56C5C024552B}"/>
+              </a:ext>
+            </a:extLst>
+          </p:cNvPr>
+          <p:cNvSpPr>
+            <a:spLocks noGrp="1"/>
+          </p:cNvSpPr>
+          <p:nvPr>
+            <p:ph idx="1"/>
           </p:nvPr>
         </p:nvSpPr>
         <p:spPr/>
@@ -5200,12 +6088,21 @@
           <a:bodyPr/>
           <a:lstStyle/>
           <a:p>
-            <a:pPr lvl="0" indent="0" marL="0">
-              <a:buNone/>
-            </a:pPr>
-            <a:r>
-              <a:rPr/>
-              <a:t>To make them show up in two columns</a:t>
+            <a:pPr lvl="0"/>
+            <a:r>
+              <a:rPr/>
+              <a:t>The struggle to transition from academia to industry.</a:t>
+            </a:r>
+          </a:p>
+          <a:p>
+            <a:pPr lvl="0"/>
+            <a:r>
+              <a:rPr b="1"/>
+              <a:t>Statistic</a:t>
+            </a:r>
+            <a:r>
+              <a:rPr/>
+              <a:t>: PhD holders often struggle to secure non-academic jobs, with many positions requiring skills not covered in PhD programs (The Economist, 2010).</a:t>
             </a:r>
           </a:p>
         </p:txBody>
